--- a/Docs/Detecting_Phishing_URL’s.pptx
+++ b/Docs/Detecting_Phishing_URL’s.pptx
@@ -5,7 +5,7 @@
     <p:sldMasterId id="2147483648" r:id="rId1"/>
   </p:sldMasterIdLst>
   <p:notesMasterIdLst>
-    <p:notesMasterId r:id="rId14"/>
+    <p:notesMasterId r:id="rId16"/>
   </p:notesMasterIdLst>
   <p:sldIdLst>
     <p:sldId id="256" r:id="rId2"/>
@@ -13,13 +13,15 @@
     <p:sldId id="268" r:id="rId4"/>
     <p:sldId id="258" r:id="rId5"/>
     <p:sldId id="259" r:id="rId6"/>
-    <p:sldId id="260" r:id="rId7"/>
-    <p:sldId id="261" r:id="rId8"/>
-    <p:sldId id="262" r:id="rId9"/>
-    <p:sldId id="267" r:id="rId10"/>
-    <p:sldId id="264" r:id="rId11"/>
-    <p:sldId id="266" r:id="rId12"/>
-    <p:sldId id="265" r:id="rId13"/>
+    <p:sldId id="269" r:id="rId7"/>
+    <p:sldId id="260" r:id="rId8"/>
+    <p:sldId id="261" r:id="rId9"/>
+    <p:sldId id="262" r:id="rId10"/>
+    <p:sldId id="267" r:id="rId11"/>
+    <p:sldId id="264" r:id="rId12"/>
+    <p:sldId id="266" r:id="rId13"/>
+    <p:sldId id="265" r:id="rId14"/>
+    <p:sldId id="270" r:id="rId15"/>
   </p:sldIdLst>
   <p:sldSz cx="12192000" cy="6858000"/>
   <p:notesSz cx="6858000" cy="9144000"/>
@@ -118,13 +120,18 @@
       </a:defRPr>
     </a:lvl9pPr>
   </p:defaultTextStyle>
+  <p:extLst>
+    <p:ext uri="{EFAFB233-063F-42B5-8137-9DF3F51BA10A}">
+      <p15:sldGuideLst xmlns:p15="http://schemas.microsoft.com/office/powerpoint/2012/main"/>
+    </p:ext>
+  </p:extLst>
 </p:presentation>
 </file>
 
 <file path=ppt/revisionInfo.xml><?xml version="1.0" encoding="utf-8"?>
 <p1510:revInfo xmlns:a="http://schemas.openxmlformats.org/drawingml/2006/main" xmlns:r="http://schemas.openxmlformats.org/officeDocument/2006/relationships" xmlns:p1510="http://schemas.microsoft.com/office/powerpoint/2015/10/main">
   <p1510:revLst>
-    <p1510:client id="{7B9DAA65-27C3-4BEA-B805-039276E80F6D}" v="4" dt="2025-07-25T12:38:31.747"/>
+    <p1510:client id="{7B9DAA65-27C3-4BEA-B805-039276E80F6D}" v="9" dt="2025-07-25T17:52:03.138"/>
   </p1510:revLst>
 </p1510:revInfo>
 </file>
@@ -134,18 +141,33 @@
   <pc:docChgLst>
     <pc:chgData name="Andrew Castaldi" userId="bfaa14ba3ff518e7" providerId="LiveId" clId="{7B9DAA65-27C3-4BEA-B805-039276E80F6D}"/>
     <pc:docChg chg="undo custSel addSld delSld modSld">
-      <pc:chgData name="Andrew Castaldi" userId="bfaa14ba3ff518e7" providerId="LiveId" clId="{7B9DAA65-27C3-4BEA-B805-039276E80F6D}" dt="2025-07-25T12:45:54.827" v="2278" actId="313"/>
+      <pc:chgData name="Andrew Castaldi" userId="bfaa14ba3ff518e7" providerId="LiveId" clId="{7B9DAA65-27C3-4BEA-B805-039276E80F6D}" dt="2025-07-25T17:56:59.867" v="2789" actId="20577"/>
       <pc:docMkLst>
         <pc:docMk/>
       </pc:docMkLst>
       <pc:sldChg chg="modSp mod">
-        <pc:chgData name="Andrew Castaldi" userId="bfaa14ba3ff518e7" providerId="LiveId" clId="{7B9DAA65-27C3-4BEA-B805-039276E80F6D}" dt="2025-07-25T12:34:50.174" v="863" actId="20577"/>
+        <pc:chgData name="Andrew Castaldi" userId="bfaa14ba3ff518e7" providerId="LiveId" clId="{7B9DAA65-27C3-4BEA-B805-039276E80F6D}" dt="2025-07-25T17:56:04.299" v="2679" actId="20577"/>
+        <pc:sldMkLst>
+          <pc:docMk/>
+          <pc:sldMk cId="883384452" sldId="256"/>
+        </pc:sldMkLst>
+        <pc:spChg chg="mod">
+          <ac:chgData name="Andrew Castaldi" userId="bfaa14ba3ff518e7" providerId="LiveId" clId="{7B9DAA65-27C3-4BEA-B805-039276E80F6D}" dt="2025-07-25T17:56:04.299" v="2679" actId="20577"/>
+          <ac:spMkLst>
+            <pc:docMk/>
+            <pc:sldMk cId="883384452" sldId="256"/>
+            <ac:spMk id="3" creationId="{080494A2-3568-3F02-C5B3-56D2D3B3D7C5}"/>
+          </ac:spMkLst>
+        </pc:spChg>
+      </pc:sldChg>
+      <pc:sldChg chg="modSp mod">
+        <pc:chgData name="Andrew Castaldi" userId="bfaa14ba3ff518e7" providerId="LiveId" clId="{7B9DAA65-27C3-4BEA-B805-039276E80F6D}" dt="2025-07-25T17:46:01.796" v="2286" actId="20577"/>
         <pc:sldMkLst>
           <pc:docMk/>
           <pc:sldMk cId="1263819193" sldId="257"/>
         </pc:sldMkLst>
         <pc:spChg chg="mod">
-          <ac:chgData name="Andrew Castaldi" userId="bfaa14ba3ff518e7" providerId="LiveId" clId="{7B9DAA65-27C3-4BEA-B805-039276E80F6D}" dt="2025-07-25T12:34:50.174" v="863" actId="20577"/>
+          <ac:chgData name="Andrew Castaldi" userId="bfaa14ba3ff518e7" providerId="LiveId" clId="{7B9DAA65-27C3-4BEA-B805-039276E80F6D}" dt="2025-07-25T17:46:01.796" v="2286" actId="20577"/>
           <ac:spMkLst>
             <pc:docMk/>
             <pc:sldMk cId="1263819193" sldId="257"/>
@@ -169,13 +191,21 @@
         </pc:spChg>
       </pc:sldChg>
       <pc:sldChg chg="modSp mod">
-        <pc:chgData name="Andrew Castaldi" userId="bfaa14ba3ff518e7" providerId="LiveId" clId="{7B9DAA65-27C3-4BEA-B805-039276E80F6D}" dt="2025-07-25T12:39:46.975" v="1558" actId="33524"/>
+        <pc:chgData name="Andrew Castaldi" userId="bfaa14ba3ff518e7" providerId="LiveId" clId="{7B9DAA65-27C3-4BEA-B805-039276E80F6D}" dt="2025-07-25T17:56:59.867" v="2789" actId="20577"/>
         <pc:sldMkLst>
           <pc:docMk/>
           <pc:sldMk cId="596066736" sldId="259"/>
         </pc:sldMkLst>
         <pc:spChg chg="mod">
-          <ac:chgData name="Andrew Castaldi" userId="bfaa14ba3ff518e7" providerId="LiveId" clId="{7B9DAA65-27C3-4BEA-B805-039276E80F6D}" dt="2025-07-25T12:39:46.975" v="1558" actId="33524"/>
+          <ac:chgData name="Andrew Castaldi" userId="bfaa14ba3ff518e7" providerId="LiveId" clId="{7B9DAA65-27C3-4BEA-B805-039276E80F6D}" dt="2025-07-25T17:46:09.404" v="2304" actId="20577"/>
+          <ac:spMkLst>
+            <pc:docMk/>
+            <pc:sldMk cId="596066736" sldId="259"/>
+            <ac:spMk id="2" creationId="{E09AC04E-E95B-F3DA-173F-94E4EEF1D343}"/>
+          </ac:spMkLst>
+        </pc:spChg>
+        <pc:spChg chg="mod">
+          <ac:chgData name="Andrew Castaldi" userId="bfaa14ba3ff518e7" providerId="LiveId" clId="{7B9DAA65-27C3-4BEA-B805-039276E80F6D}" dt="2025-07-25T17:56:59.867" v="2789" actId="20577"/>
           <ac:spMkLst>
             <pc:docMk/>
             <pc:sldMk cId="596066736" sldId="259"/>
@@ -183,14 +213,37 @@
           </ac:spMkLst>
         </pc:spChg>
       </pc:sldChg>
+      <pc:sldChg chg="modSp mod">
+        <pc:chgData name="Andrew Castaldi" userId="bfaa14ba3ff518e7" providerId="LiveId" clId="{7B9DAA65-27C3-4BEA-B805-039276E80F6D}" dt="2025-07-25T17:48:34.081" v="2571" actId="313"/>
+        <pc:sldMkLst>
+          <pc:docMk/>
+          <pc:sldMk cId="35356728" sldId="260"/>
+        </pc:sldMkLst>
+        <pc:spChg chg="mod">
+          <ac:chgData name="Andrew Castaldi" userId="bfaa14ba3ff518e7" providerId="LiveId" clId="{7B9DAA65-27C3-4BEA-B805-039276E80F6D}" dt="2025-07-25T17:48:09.411" v="2508" actId="20577"/>
+          <ac:spMkLst>
+            <pc:docMk/>
+            <pc:sldMk cId="35356728" sldId="260"/>
+            <ac:spMk id="2" creationId="{8B9CCB86-DAC7-6F5E-51DB-8330F29E24EA}"/>
+          </ac:spMkLst>
+        </pc:spChg>
+        <pc:spChg chg="mod">
+          <ac:chgData name="Andrew Castaldi" userId="bfaa14ba3ff518e7" providerId="LiveId" clId="{7B9DAA65-27C3-4BEA-B805-039276E80F6D}" dt="2025-07-25T17:48:34.081" v="2571" actId="313"/>
+          <ac:spMkLst>
+            <pc:docMk/>
+            <pc:sldMk cId="35356728" sldId="260"/>
+            <ac:spMk id="3" creationId="{59CFA12D-A851-0DD3-CE33-809D6F9FB849}"/>
+          </ac:spMkLst>
+        </pc:spChg>
+      </pc:sldChg>
       <pc:sldChg chg="addSp modSp mod">
-        <pc:chgData name="Andrew Castaldi" userId="bfaa14ba3ff518e7" providerId="LiveId" clId="{7B9DAA65-27C3-4BEA-B805-039276E80F6D}" dt="2025-07-25T12:39:58.244" v="1559" actId="313"/>
+        <pc:chgData name="Andrew Castaldi" userId="bfaa14ba3ff518e7" providerId="LiveId" clId="{7B9DAA65-27C3-4BEA-B805-039276E80F6D}" dt="2025-07-25T17:49:04.008" v="2576" actId="1076"/>
         <pc:sldMkLst>
           <pc:docMk/>
           <pc:sldMk cId="14688540" sldId="261"/>
         </pc:sldMkLst>
         <pc:spChg chg="mod">
-          <ac:chgData name="Andrew Castaldi" userId="bfaa14ba3ff518e7" providerId="LiveId" clId="{7B9DAA65-27C3-4BEA-B805-039276E80F6D}" dt="2025-07-25T12:39:58.244" v="1559" actId="313"/>
+          <ac:chgData name="Andrew Castaldi" userId="bfaa14ba3ff518e7" providerId="LiveId" clId="{7B9DAA65-27C3-4BEA-B805-039276E80F6D}" dt="2025-07-25T17:48:54.713" v="2573" actId="14100"/>
           <ac:spMkLst>
             <pc:docMk/>
             <pc:sldMk cId="14688540" sldId="261"/>
@@ -198,7 +251,7 @@
           </ac:spMkLst>
         </pc:spChg>
         <pc:picChg chg="add mod">
-          <ac:chgData name="Andrew Castaldi" userId="bfaa14ba3ff518e7" providerId="LiveId" clId="{7B9DAA65-27C3-4BEA-B805-039276E80F6D}" dt="2025-07-25T12:21:39.733" v="263" actId="14100"/>
+          <ac:chgData name="Andrew Castaldi" userId="bfaa14ba3ff518e7" providerId="LiveId" clId="{7B9DAA65-27C3-4BEA-B805-039276E80F6D}" dt="2025-07-25T17:49:04.008" v="2576" actId="1076"/>
           <ac:picMkLst>
             <pc:docMk/>
             <pc:sldMk cId="14688540" sldId="261"/>
@@ -207,11 +260,19 @@
         </pc:picChg>
       </pc:sldChg>
       <pc:sldChg chg="addSp delSp modSp mod">
-        <pc:chgData name="Andrew Castaldi" userId="bfaa14ba3ff518e7" providerId="LiveId" clId="{7B9DAA65-27C3-4BEA-B805-039276E80F6D}" dt="2025-07-25T12:24:01.774" v="272" actId="1076"/>
+        <pc:chgData name="Andrew Castaldi" userId="bfaa14ba3ff518e7" providerId="LiveId" clId="{7B9DAA65-27C3-4BEA-B805-039276E80F6D}" dt="2025-07-25T17:49:19.894" v="2584" actId="20577"/>
         <pc:sldMkLst>
           <pc:docMk/>
           <pc:sldMk cId="3496378118" sldId="262"/>
         </pc:sldMkLst>
+        <pc:spChg chg="mod">
+          <ac:chgData name="Andrew Castaldi" userId="bfaa14ba3ff518e7" providerId="LiveId" clId="{7B9DAA65-27C3-4BEA-B805-039276E80F6D}" dt="2025-07-25T17:49:19.894" v="2584" actId="20577"/>
+          <ac:spMkLst>
+            <pc:docMk/>
+            <pc:sldMk cId="3496378118" sldId="262"/>
+            <ac:spMk id="2" creationId="{7A325E81-572C-A9B9-9FF8-4AD81611FD9D}"/>
+          </ac:spMkLst>
+        </pc:spChg>
         <pc:spChg chg="del">
           <ac:chgData name="Andrew Castaldi" userId="bfaa14ba3ff518e7" providerId="LiveId" clId="{7B9DAA65-27C3-4BEA-B805-039276E80F6D}" dt="2025-07-25T12:23:09.441" v="266" actId="21"/>
           <ac:spMkLst>
@@ -245,13 +306,13 @@
         </pc:sldMkLst>
       </pc:sldChg>
       <pc:sldChg chg="modSp mod">
-        <pc:chgData name="Andrew Castaldi" userId="bfaa14ba3ff518e7" providerId="LiveId" clId="{7B9DAA65-27C3-4BEA-B805-039276E80F6D}" dt="2025-07-25T12:34:22.846" v="772" actId="20577"/>
+        <pc:chgData name="Andrew Castaldi" userId="bfaa14ba3ff518e7" providerId="LiveId" clId="{7B9DAA65-27C3-4BEA-B805-039276E80F6D}" dt="2025-07-25T17:50:32.441" v="2585" actId="33524"/>
         <pc:sldMkLst>
           <pc:docMk/>
           <pc:sldMk cId="3945038395" sldId="264"/>
         </pc:sldMkLst>
         <pc:spChg chg="mod">
-          <ac:chgData name="Andrew Castaldi" userId="bfaa14ba3ff518e7" providerId="LiveId" clId="{7B9DAA65-27C3-4BEA-B805-039276E80F6D}" dt="2025-07-25T12:34:22.846" v="772" actId="20577"/>
+          <ac:chgData name="Andrew Castaldi" userId="bfaa14ba3ff518e7" providerId="LiveId" clId="{7B9DAA65-27C3-4BEA-B805-039276E80F6D}" dt="2025-07-25T17:50:32.441" v="2585" actId="33524"/>
           <ac:spMkLst>
             <pc:docMk/>
             <pc:sldMk cId="3945038395" sldId="264"/>
@@ -348,6 +409,52 @@
             <pc:docMk/>
             <pc:sldMk cId="3082962971" sldId="268"/>
             <ac:spMk id="3" creationId="{FC9AB97E-71FE-7064-FFE1-A24900A3898A}"/>
+          </ac:spMkLst>
+        </pc:spChg>
+      </pc:sldChg>
+      <pc:sldChg chg="modSp new mod">
+        <pc:chgData name="Andrew Castaldi" userId="bfaa14ba3ff518e7" providerId="LiveId" clId="{7B9DAA65-27C3-4BEA-B805-039276E80F6D}" dt="2025-07-25T17:47:56.382" v="2498" actId="20577"/>
+        <pc:sldMkLst>
+          <pc:docMk/>
+          <pc:sldMk cId="510288482" sldId="269"/>
+        </pc:sldMkLst>
+        <pc:spChg chg="mod">
+          <ac:chgData name="Andrew Castaldi" userId="bfaa14ba3ff518e7" providerId="LiveId" clId="{7B9DAA65-27C3-4BEA-B805-039276E80F6D}" dt="2025-07-25T17:46:37.172" v="2327" actId="20577"/>
+          <ac:spMkLst>
+            <pc:docMk/>
+            <pc:sldMk cId="510288482" sldId="269"/>
+            <ac:spMk id="2" creationId="{DB265600-F4E5-CF20-F495-5BFBF9772A5D}"/>
+          </ac:spMkLst>
+        </pc:spChg>
+        <pc:spChg chg="mod">
+          <ac:chgData name="Andrew Castaldi" userId="bfaa14ba3ff518e7" providerId="LiveId" clId="{7B9DAA65-27C3-4BEA-B805-039276E80F6D}" dt="2025-07-25T17:47:56.382" v="2498" actId="20577"/>
+          <ac:spMkLst>
+            <pc:docMk/>
+            <pc:sldMk cId="510288482" sldId="269"/>
+            <ac:spMk id="3" creationId="{ECD7F01C-1B5E-6897-8386-243E4C9D1CFD}"/>
+          </ac:spMkLst>
+        </pc:spChg>
+      </pc:sldChg>
+      <pc:sldChg chg="modSp new mod">
+        <pc:chgData name="Andrew Castaldi" userId="bfaa14ba3ff518e7" providerId="LiveId" clId="{7B9DAA65-27C3-4BEA-B805-039276E80F6D}" dt="2025-07-25T17:52:03.138" v="2605"/>
+        <pc:sldMkLst>
+          <pc:docMk/>
+          <pc:sldMk cId="4263499265" sldId="270"/>
+        </pc:sldMkLst>
+        <pc:spChg chg="mod">
+          <ac:chgData name="Andrew Castaldi" userId="bfaa14ba3ff518e7" providerId="LiveId" clId="{7B9DAA65-27C3-4BEA-B805-039276E80F6D}" dt="2025-07-25T17:52:01.087" v="2604"/>
+          <ac:spMkLst>
+            <pc:docMk/>
+            <pc:sldMk cId="4263499265" sldId="270"/>
+            <ac:spMk id="2" creationId="{E814213D-5C2E-A641-47CF-3AE2E77011C3}"/>
+          </ac:spMkLst>
+        </pc:spChg>
+        <pc:spChg chg="mod">
+          <ac:chgData name="Andrew Castaldi" userId="bfaa14ba3ff518e7" providerId="LiveId" clId="{7B9DAA65-27C3-4BEA-B805-039276E80F6D}" dt="2025-07-25T17:52:03.138" v="2605"/>
+          <ac:spMkLst>
+            <pc:docMk/>
+            <pc:sldMk cId="4263499265" sldId="270"/>
+            <ac:spMk id="3" creationId="{4D97D5DB-979E-1452-8A83-7876E0E47EC9}"/>
           </ac:spMkLst>
         </pc:spChg>
       </pc:sldChg>
@@ -770,7 +877,7 @@
           <a:p>
             <a:fld id="{29DBDC76-0435-4FDA-886A-E946EADD1B4E}" type="slidenum">
               <a:rPr lang="en-US" smtClean="0"/>
-              <a:t>12</a:t>
+              <a:t>13</a:t>
             </a:fld>
             <a:endParaRPr lang="en-US"/>
           </a:p>
@@ -936,7 +1043,7 @@
           <a:p>
             <a:fld id="{35CD4531-6771-45F2-964C-0D3F66ACEC08}" type="datetimeFigureOut">
               <a:rPr lang="en-US" smtClean="0"/>
-              <a:t>7/24/2025</a:t>
+              <a:t>7/25/2025</a:t>
             </a:fld>
             <a:endParaRPr lang="en-US"/>
           </a:p>
@@ -1134,7 +1241,7 @@
           <a:p>
             <a:fld id="{35CD4531-6771-45F2-964C-0D3F66ACEC08}" type="datetimeFigureOut">
               <a:rPr lang="en-US" smtClean="0"/>
-              <a:t>7/24/2025</a:t>
+              <a:t>7/25/2025</a:t>
             </a:fld>
             <a:endParaRPr lang="en-US"/>
           </a:p>
@@ -1342,7 +1449,7 @@
           <a:p>
             <a:fld id="{35CD4531-6771-45F2-964C-0D3F66ACEC08}" type="datetimeFigureOut">
               <a:rPr lang="en-US" smtClean="0"/>
-              <a:t>7/24/2025</a:t>
+              <a:t>7/25/2025</a:t>
             </a:fld>
             <a:endParaRPr lang="en-US"/>
           </a:p>
@@ -1540,7 +1647,7 @@
           <a:p>
             <a:fld id="{35CD4531-6771-45F2-964C-0D3F66ACEC08}" type="datetimeFigureOut">
               <a:rPr lang="en-US" smtClean="0"/>
-              <a:t>7/24/2025</a:t>
+              <a:t>7/25/2025</a:t>
             </a:fld>
             <a:endParaRPr lang="en-US"/>
           </a:p>
@@ -1815,7 +1922,7 @@
           <a:p>
             <a:fld id="{35CD4531-6771-45F2-964C-0D3F66ACEC08}" type="datetimeFigureOut">
               <a:rPr lang="en-US" smtClean="0"/>
-              <a:t>7/24/2025</a:t>
+              <a:t>7/25/2025</a:t>
             </a:fld>
             <a:endParaRPr lang="en-US"/>
           </a:p>
@@ -2080,7 +2187,7 @@
           <a:p>
             <a:fld id="{35CD4531-6771-45F2-964C-0D3F66ACEC08}" type="datetimeFigureOut">
               <a:rPr lang="en-US" smtClean="0"/>
-              <a:t>7/24/2025</a:t>
+              <a:t>7/25/2025</a:t>
             </a:fld>
             <a:endParaRPr lang="en-US"/>
           </a:p>
@@ -2492,7 +2599,7 @@
           <a:p>
             <a:fld id="{35CD4531-6771-45F2-964C-0D3F66ACEC08}" type="datetimeFigureOut">
               <a:rPr lang="en-US" smtClean="0"/>
-              <a:t>7/24/2025</a:t>
+              <a:t>7/25/2025</a:t>
             </a:fld>
             <a:endParaRPr lang="en-US"/>
           </a:p>
@@ -2633,7 +2740,7 @@
           <a:p>
             <a:fld id="{35CD4531-6771-45F2-964C-0D3F66ACEC08}" type="datetimeFigureOut">
               <a:rPr lang="en-US" smtClean="0"/>
-              <a:t>7/24/2025</a:t>
+              <a:t>7/25/2025</a:t>
             </a:fld>
             <a:endParaRPr lang="en-US"/>
           </a:p>
@@ -2746,7 +2853,7 @@
           <a:p>
             <a:fld id="{35CD4531-6771-45F2-964C-0D3F66ACEC08}" type="datetimeFigureOut">
               <a:rPr lang="en-US" smtClean="0"/>
-              <a:t>7/24/2025</a:t>
+              <a:t>7/25/2025</a:t>
             </a:fld>
             <a:endParaRPr lang="en-US"/>
           </a:p>
@@ -3057,7 +3164,7 @@
           <a:p>
             <a:fld id="{35CD4531-6771-45F2-964C-0D3F66ACEC08}" type="datetimeFigureOut">
               <a:rPr lang="en-US" smtClean="0"/>
-              <a:t>7/24/2025</a:t>
+              <a:t>7/25/2025</a:t>
             </a:fld>
             <a:endParaRPr lang="en-US"/>
           </a:p>
@@ -3345,7 +3452,7 @@
           <a:p>
             <a:fld id="{35CD4531-6771-45F2-964C-0D3F66ACEC08}" type="datetimeFigureOut">
               <a:rPr lang="en-US" smtClean="0"/>
-              <a:t>7/24/2025</a:t>
+              <a:t>7/25/2025</a:t>
             </a:fld>
             <a:endParaRPr lang="en-US"/>
           </a:p>
@@ -3586,7 +3693,7 @@
           <a:p>
             <a:fld id="{35CD4531-6771-45F2-964C-0D3F66ACEC08}" type="datetimeFigureOut">
               <a:rPr lang="en-US" smtClean="0"/>
-              <a:t>7/24/2025</a:t>
+              <a:t>7/25/2025</a:t>
             </a:fld>
             <a:endParaRPr lang="en-US"/>
           </a:p>
@@ -4052,7 +4159,16 @@
           <a:bodyPr/>
           <a:lstStyle/>
           <a:p>
-            <a:endParaRPr lang="en-US" dirty="0"/>
+            <a:r>
+              <a:rPr lang="en-US" dirty="0"/>
+              <a:t>Andrew Castaldi</a:t>
+            </a:r>
+          </a:p>
+          <a:p>
+            <a:r>
+              <a:rPr lang="en-US" dirty="0"/>
+              <a:t>Data Science – Capstone Project 2</a:t>
+            </a:r>
           </a:p>
         </p:txBody>
       </p:sp>
@@ -4091,7 +4207,7 @@
           <p:cNvPr id="2" name="Title 1">
             <a:extLst>
               <a:ext uri="{FF2B5EF4-FFF2-40B4-BE49-F238E27FC236}">
-                <a16:creationId xmlns:a16="http://schemas.microsoft.com/office/drawing/2014/main" id="{EE79A18B-BD8A-2A35-E0EE-BAEE37BD7B77}"/>
+                <a16:creationId xmlns:a16="http://schemas.microsoft.com/office/drawing/2014/main" id="{86829788-E047-BF70-5879-6E2DE4F08686}"/>
               </a:ext>
             </a:extLst>
           </p:cNvPr>
@@ -4109,85 +4225,75 @@
           <a:p>
             <a:r>
               <a:rPr lang="en-US" dirty="0"/>
-              <a:t>Business Implementations</a:t>
-            </a:r>
-          </a:p>
-        </p:txBody>
-      </p:sp>
-      <p:sp>
-        <p:nvSpPr>
-          <p:cNvPr id="3" name="Content Placeholder 2">
-            <a:extLst>
-              <a:ext uri="{FF2B5EF4-FFF2-40B4-BE49-F238E27FC236}">
-                <a16:creationId xmlns:a16="http://schemas.microsoft.com/office/drawing/2014/main" id="{99688EBB-243A-383A-FA05-DEB2603007D5}"/>
-              </a:ext>
-            </a:extLst>
-          </p:cNvPr>
-          <p:cNvSpPr>
-            <a:spLocks noGrp="1"/>
-          </p:cNvSpPr>
-          <p:nvPr>
-            <p:ph idx="1"/>
-          </p:nvPr>
-        </p:nvSpPr>
-        <p:spPr/>
-        <p:txBody>
-          <a:bodyPr/>
-          <a:lstStyle/>
-          <a:p>
-            <a:r>
-              <a:rPr lang="en-US" dirty="0"/>
-              <a:t>Email</a:t>
-            </a:r>
-          </a:p>
-          <a:p>
-            <a:pPr lvl="1"/>
-            <a:r>
-              <a:rPr lang="en-US" dirty="0"/>
-              <a:t>Could be a backend service to evaluate links in incoming emails.  If a URL is flagged as phishing, you can flag the email or block it entirely</a:t>
-            </a:r>
-          </a:p>
-          <a:p>
-            <a:r>
-              <a:rPr lang="en-US" dirty="0"/>
-              <a:t>Firewall Integration</a:t>
-            </a:r>
-          </a:p>
-          <a:p>
-            <a:pPr lvl="1"/>
-            <a:r>
-              <a:rPr lang="en-US" dirty="0"/>
-              <a:t>Implement the model into a firewall to check outbound web requests.  If the URL is seen as phishing, you can redirect to a warning page</a:t>
-            </a:r>
-          </a:p>
-          <a:p>
-            <a:r>
-              <a:rPr lang="en-US" dirty="0"/>
-              <a:t>Internal API service</a:t>
-            </a:r>
-          </a:p>
-          <a:p>
-            <a:pPr lvl="1"/>
-            <a:r>
-              <a:rPr lang="en-US" dirty="0"/>
-              <a:t>Allow users to test their URL’s on a webpage that’ll return a result with the predicted outcome and a confidence score</a:t>
-            </a:r>
-          </a:p>
-          <a:p>
-            <a:endParaRPr lang="en-US" dirty="0"/>
-          </a:p>
-          <a:p>
-            <a:endParaRPr lang="en-US" dirty="0"/>
-          </a:p>
-          <a:p>
-            <a:endParaRPr lang="en-US" dirty="0"/>
-          </a:p>
-        </p:txBody>
-      </p:sp>
+              <a:t>Comparison – Incorrectly Labeled</a:t>
+            </a:r>
+          </a:p>
+        </p:txBody>
+      </p:sp>
+      <p:pic>
+        <p:nvPicPr>
+          <p:cNvPr id="5" name="Picture 4">
+            <a:extLst>
+              <a:ext uri="{FF2B5EF4-FFF2-40B4-BE49-F238E27FC236}">
+                <a16:creationId xmlns:a16="http://schemas.microsoft.com/office/drawing/2014/main" id="{66729971-A7CE-1429-1FB6-16A74938F71A}"/>
+              </a:ext>
+            </a:extLst>
+          </p:cNvPr>
+          <p:cNvPicPr>
+            <a:picLocks noChangeAspect="1"/>
+          </p:cNvPicPr>
+          <p:nvPr/>
+        </p:nvPicPr>
+        <p:blipFill>
+          <a:blip r:embed="rId2"/>
+          <a:stretch>
+            <a:fillRect/>
+          </a:stretch>
+        </p:blipFill>
+        <p:spPr>
+          <a:xfrm>
+            <a:off x="1546502" y="1410511"/>
+            <a:ext cx="3399259" cy="5262664"/>
+          </a:xfrm>
+          <a:prstGeom prst="rect">
+            <a:avLst/>
+          </a:prstGeom>
+        </p:spPr>
+      </p:pic>
+      <p:pic>
+        <p:nvPicPr>
+          <p:cNvPr id="7" name="Picture 6">
+            <a:extLst>
+              <a:ext uri="{FF2B5EF4-FFF2-40B4-BE49-F238E27FC236}">
+                <a16:creationId xmlns:a16="http://schemas.microsoft.com/office/drawing/2014/main" id="{86ABFC89-FBC5-50A0-6924-711D9B1AF867}"/>
+              </a:ext>
+            </a:extLst>
+          </p:cNvPr>
+          <p:cNvPicPr>
+            <a:picLocks noChangeAspect="1"/>
+          </p:cNvPicPr>
+          <p:nvPr/>
+        </p:nvPicPr>
+        <p:blipFill>
+          <a:blip r:embed="rId3"/>
+          <a:stretch>
+            <a:fillRect/>
+          </a:stretch>
+        </p:blipFill>
+        <p:spPr>
+          <a:xfrm>
+            <a:off x="6096000" y="1458187"/>
+            <a:ext cx="3278571" cy="5167312"/>
+          </a:xfrm>
+          <a:prstGeom prst="rect">
+            <a:avLst/>
+          </a:prstGeom>
+        </p:spPr>
+      </p:pic>
     </p:spTree>
     <p:extLst>
       <p:ext uri="{BB962C8B-B14F-4D97-AF65-F5344CB8AC3E}">
-        <p14:creationId xmlns:p14="http://schemas.microsoft.com/office/powerpoint/2010/main" val="3945038395"/>
+        <p14:creationId xmlns:p14="http://schemas.microsoft.com/office/powerpoint/2010/main" val="1602091837"/>
       </p:ext>
     </p:extLst>
   </p:cSld>
@@ -4219,7 +4325,7 @@
           <p:cNvPr id="2" name="Title 1">
             <a:extLst>
               <a:ext uri="{FF2B5EF4-FFF2-40B4-BE49-F238E27FC236}">
-                <a16:creationId xmlns:a16="http://schemas.microsoft.com/office/drawing/2014/main" id="{D1A0424D-4848-1EC8-FCEB-767A5259D6FB}"/>
+                <a16:creationId xmlns:a16="http://schemas.microsoft.com/office/drawing/2014/main" id="{EE79A18B-BD8A-2A35-E0EE-BAEE37BD7B77}"/>
               </a:ext>
             </a:extLst>
           </p:cNvPr>
@@ -4237,7 +4343,7 @@
           <a:p>
             <a:r>
               <a:rPr lang="en-US" dirty="0"/>
-              <a:t>Recommendation</a:t>
+              <a:t>Business Implementations</a:t>
             </a:r>
           </a:p>
         </p:txBody>
@@ -4247,7 +4353,7 @@
           <p:cNvPr id="3" name="Content Placeholder 2">
             <a:extLst>
               <a:ext uri="{FF2B5EF4-FFF2-40B4-BE49-F238E27FC236}">
-                <a16:creationId xmlns:a16="http://schemas.microsoft.com/office/drawing/2014/main" id="{B1939FE0-BE74-C870-7133-B75E71B8A999}"/>
+                <a16:creationId xmlns:a16="http://schemas.microsoft.com/office/drawing/2014/main" id="{99688EBB-243A-383A-FA05-DEB2603007D5}"/>
               </a:ext>
             </a:extLst>
           </p:cNvPr>
@@ -4260,52 +4366,49 @@
         </p:nvSpPr>
         <p:spPr/>
         <p:txBody>
-          <a:bodyPr>
-            <a:normAutofit lnSpcReduction="10000"/>
-          </a:bodyPr>
-          <a:lstStyle/>
-          <a:p>
-            <a:r>
-              <a:rPr lang="en-US" dirty="0"/>
-              <a:t>#1 - Firewall implementation</a:t>
+          <a:bodyPr/>
+          <a:lstStyle/>
+          <a:p>
+            <a:r>
+              <a:rPr lang="en-US" dirty="0"/>
+              <a:t>Email</a:t>
             </a:r>
           </a:p>
           <a:p>
             <a:pPr lvl="1"/>
             <a:r>
               <a:rPr lang="en-US" dirty="0"/>
-              <a:t>Seamless, unnoticeable way to employees to implement URL safety measures</a:t>
+              <a:t>Could be a backend service to evaluate links in incoming emails.  If a URL is flagged as phishing, you can flag the email or block it entirely</a:t>
+            </a:r>
+          </a:p>
+          <a:p>
+            <a:r>
+              <a:rPr lang="en-US" dirty="0"/>
+              <a:t>Firewall Integration</a:t>
             </a:r>
           </a:p>
           <a:p>
             <a:pPr lvl="1"/>
             <a:r>
               <a:rPr lang="en-US" dirty="0"/>
-              <a:t>Employees just received access to personal emails, if we start blocking their emails, employee satisfaction will go down </a:t>
+              <a:t>Implement the model into a firewall to check outbound web requests.  If the URL is seen as phishing, you can redirect to a warning page</a:t>
+            </a:r>
+          </a:p>
+          <a:p>
+            <a:r>
+              <a:rPr lang="en-US" dirty="0"/>
+              <a:t>Internal API service</a:t>
+            </a:r>
+          </a:p>
+          <a:p>
+            <a:pPr lvl="1"/>
+            <a:r>
+              <a:rPr lang="en-US" dirty="0"/>
+              <a:t>Allow users to test their URLs on a webpage that’ll return a result with the predicted outcome and a confidence score</a:t>
             </a:r>
           </a:p>
           <a:p>
             <a:endParaRPr lang="en-US" dirty="0"/>
-          </a:p>
-          <a:p>
-            <a:r>
-              <a:rPr lang="en-US" dirty="0"/>
-              <a:t>#2 - Internal API service</a:t>
-            </a:r>
-          </a:p>
-          <a:p>
-            <a:pPr lvl="1"/>
-            <a:r>
-              <a:rPr lang="en-US" dirty="0"/>
-              <a:t>This can be beneficial and help employees learn more about phishing URL’s and what looks suspicious</a:t>
-            </a:r>
-          </a:p>
-          <a:p>
-            <a:pPr lvl="1"/>
-            <a:r>
-              <a:rPr lang="en-US" dirty="0"/>
-              <a:t>Can be used by employees for personal URL’s they’re unsure of too, increasing employee satisfaction</a:t>
-            </a:r>
           </a:p>
           <a:p>
             <a:endParaRPr lang="en-US" dirty="0"/>
@@ -4318,7 +4421,7 @@
     </p:spTree>
     <p:extLst>
       <p:ext uri="{BB962C8B-B14F-4D97-AF65-F5344CB8AC3E}">
-        <p14:creationId xmlns:p14="http://schemas.microsoft.com/office/powerpoint/2010/main" val="2225903754"/>
+        <p14:creationId xmlns:p14="http://schemas.microsoft.com/office/powerpoint/2010/main" val="3945038395"/>
       </p:ext>
     </p:extLst>
   </p:cSld>
@@ -4350,6 +4453,137 @@
           <p:cNvPr id="2" name="Title 1">
             <a:extLst>
               <a:ext uri="{FF2B5EF4-FFF2-40B4-BE49-F238E27FC236}">
+                <a16:creationId xmlns:a16="http://schemas.microsoft.com/office/drawing/2014/main" id="{D1A0424D-4848-1EC8-FCEB-767A5259D6FB}"/>
+              </a:ext>
+            </a:extLst>
+          </p:cNvPr>
+          <p:cNvSpPr>
+            <a:spLocks noGrp="1"/>
+          </p:cNvSpPr>
+          <p:nvPr>
+            <p:ph type="title"/>
+          </p:nvPr>
+        </p:nvSpPr>
+        <p:spPr/>
+        <p:txBody>
+          <a:bodyPr/>
+          <a:lstStyle/>
+          <a:p>
+            <a:r>
+              <a:rPr lang="en-US" dirty="0"/>
+              <a:t>Recommendation</a:t>
+            </a:r>
+          </a:p>
+        </p:txBody>
+      </p:sp>
+      <p:sp>
+        <p:nvSpPr>
+          <p:cNvPr id="3" name="Content Placeholder 2">
+            <a:extLst>
+              <a:ext uri="{FF2B5EF4-FFF2-40B4-BE49-F238E27FC236}">
+                <a16:creationId xmlns:a16="http://schemas.microsoft.com/office/drawing/2014/main" id="{B1939FE0-BE74-C870-7133-B75E71B8A999}"/>
+              </a:ext>
+            </a:extLst>
+          </p:cNvPr>
+          <p:cNvSpPr>
+            <a:spLocks noGrp="1"/>
+          </p:cNvSpPr>
+          <p:nvPr>
+            <p:ph idx="1"/>
+          </p:nvPr>
+        </p:nvSpPr>
+        <p:spPr/>
+        <p:txBody>
+          <a:bodyPr>
+            <a:normAutofit lnSpcReduction="10000"/>
+          </a:bodyPr>
+          <a:lstStyle/>
+          <a:p>
+            <a:r>
+              <a:rPr lang="en-US" dirty="0"/>
+              <a:t>#1 - Firewall implementation</a:t>
+            </a:r>
+          </a:p>
+          <a:p>
+            <a:pPr lvl="1"/>
+            <a:r>
+              <a:rPr lang="en-US" dirty="0"/>
+              <a:t>Seamless, unnoticeable way to employees to implement URL safety measures</a:t>
+            </a:r>
+          </a:p>
+          <a:p>
+            <a:pPr lvl="1"/>
+            <a:r>
+              <a:rPr lang="en-US" dirty="0"/>
+              <a:t>Employees just received access to personal emails, if we start blocking their emails, employee satisfaction will go down </a:t>
+            </a:r>
+          </a:p>
+          <a:p>
+            <a:endParaRPr lang="en-US" dirty="0"/>
+          </a:p>
+          <a:p>
+            <a:r>
+              <a:rPr lang="en-US" dirty="0"/>
+              <a:t>#2 - Internal API service</a:t>
+            </a:r>
+          </a:p>
+          <a:p>
+            <a:pPr lvl="1"/>
+            <a:r>
+              <a:rPr lang="en-US" dirty="0"/>
+              <a:t>This can be beneficial and help employees learn more about phishing URL’s and what looks suspicious</a:t>
+            </a:r>
+          </a:p>
+          <a:p>
+            <a:pPr lvl="1"/>
+            <a:r>
+              <a:rPr lang="en-US" dirty="0"/>
+              <a:t>Can be used by employees for personal URL’s they’re unsure of too, increasing employee satisfaction</a:t>
+            </a:r>
+          </a:p>
+          <a:p>
+            <a:endParaRPr lang="en-US" dirty="0"/>
+          </a:p>
+          <a:p>
+            <a:endParaRPr lang="en-US" dirty="0"/>
+          </a:p>
+        </p:txBody>
+      </p:sp>
+    </p:spTree>
+    <p:extLst>
+      <p:ext uri="{BB962C8B-B14F-4D97-AF65-F5344CB8AC3E}">
+        <p14:creationId xmlns:p14="http://schemas.microsoft.com/office/powerpoint/2010/main" val="2225903754"/>
+      </p:ext>
+    </p:extLst>
+  </p:cSld>
+  <p:clrMapOvr>
+    <a:masterClrMapping/>
+  </p:clrMapOvr>
+</p:sld>
+</file>
+
+<file path=ppt/slides/slide13.xml><?xml version="1.0" encoding="utf-8"?>
+<p:sld xmlns:a="http://schemas.openxmlformats.org/drawingml/2006/main" xmlns:r="http://schemas.openxmlformats.org/officeDocument/2006/relationships" xmlns:p="http://schemas.openxmlformats.org/presentationml/2006/main">
+  <p:cSld>
+    <p:spTree>
+      <p:nvGrpSpPr>
+        <p:cNvPr id="1" name=""/>
+        <p:cNvGrpSpPr/>
+        <p:nvPr/>
+      </p:nvGrpSpPr>
+      <p:grpSpPr>
+        <a:xfrm>
+          <a:off x="0" y="0"/>
+          <a:ext cx="0" cy="0"/>
+          <a:chOff x="0" y="0"/>
+          <a:chExt cx="0" cy="0"/>
+        </a:xfrm>
+      </p:grpSpPr>
+      <p:sp>
+        <p:nvSpPr>
+          <p:cNvPr id="2" name="Title 1">
+            <a:extLst>
+              <a:ext uri="{FF2B5EF4-FFF2-40B4-BE49-F238E27FC236}">
                 <a16:creationId xmlns:a16="http://schemas.microsoft.com/office/drawing/2014/main" id="{6ECDF2AB-2E10-0DC5-3536-326B7207CB16}"/>
               </a:ext>
             </a:extLst>
@@ -4451,6 +4685,101 @@
     <p:extLst>
       <p:ext uri="{BB962C8B-B14F-4D97-AF65-F5344CB8AC3E}">
         <p14:creationId xmlns:p14="http://schemas.microsoft.com/office/powerpoint/2010/main" val="2336624643"/>
+      </p:ext>
+    </p:extLst>
+  </p:cSld>
+  <p:clrMapOvr>
+    <a:masterClrMapping/>
+  </p:clrMapOvr>
+</p:sld>
+</file>
+
+<file path=ppt/slides/slide14.xml><?xml version="1.0" encoding="utf-8"?>
+<p:sld xmlns:a="http://schemas.openxmlformats.org/drawingml/2006/main" xmlns:r="http://schemas.openxmlformats.org/officeDocument/2006/relationships" xmlns:p="http://schemas.openxmlformats.org/presentationml/2006/main">
+  <p:cSld>
+    <p:spTree>
+      <p:nvGrpSpPr>
+        <p:cNvPr id="1" name=""/>
+        <p:cNvGrpSpPr/>
+        <p:nvPr/>
+      </p:nvGrpSpPr>
+      <p:grpSpPr>
+        <a:xfrm>
+          <a:off x="0" y="0"/>
+          <a:ext cx="0" cy="0"/>
+          <a:chOff x="0" y="0"/>
+          <a:chExt cx="0" cy="0"/>
+        </a:xfrm>
+      </p:grpSpPr>
+      <p:sp>
+        <p:nvSpPr>
+          <p:cNvPr id="2" name="Title 1">
+            <a:extLst>
+              <a:ext uri="{FF2B5EF4-FFF2-40B4-BE49-F238E27FC236}">
+                <a16:creationId xmlns:a16="http://schemas.microsoft.com/office/drawing/2014/main" id="{E814213D-5C2E-A641-47CF-3AE2E77011C3}"/>
+              </a:ext>
+            </a:extLst>
+          </p:cNvPr>
+          <p:cNvSpPr>
+            <a:spLocks noGrp="1"/>
+          </p:cNvSpPr>
+          <p:nvPr>
+            <p:ph type="title"/>
+          </p:nvPr>
+        </p:nvSpPr>
+        <p:spPr/>
+        <p:txBody>
+          <a:bodyPr/>
+          <a:lstStyle/>
+          <a:p>
+            <a:r>
+              <a:rPr lang="en-US" dirty="0"/>
+              <a:t>Tableau Dashboard</a:t>
+            </a:r>
+          </a:p>
+        </p:txBody>
+      </p:sp>
+      <p:sp>
+        <p:nvSpPr>
+          <p:cNvPr id="3" name="Content Placeholder 2">
+            <a:extLst>
+              <a:ext uri="{FF2B5EF4-FFF2-40B4-BE49-F238E27FC236}">
+                <a16:creationId xmlns:a16="http://schemas.microsoft.com/office/drawing/2014/main" id="{4D97D5DB-979E-1452-8A83-7876E0E47EC9}"/>
+              </a:ext>
+            </a:extLst>
+          </p:cNvPr>
+          <p:cNvSpPr>
+            <a:spLocks noGrp="1"/>
+          </p:cNvSpPr>
+          <p:nvPr>
+            <p:ph idx="1"/>
+          </p:nvPr>
+        </p:nvSpPr>
+        <p:spPr/>
+        <p:txBody>
+          <a:bodyPr/>
+          <a:lstStyle/>
+          <a:p>
+            <a:r>
+              <a:rPr lang="en-US" dirty="0" err="1">
+                <a:hlinkClick r:id="rId2"/>
+              </a:rPr>
+              <a:t>Phishing_URL_Dashboard</a:t>
+            </a:r>
+            <a:r>
+              <a:rPr lang="en-US" dirty="0">
+                <a:hlinkClick r:id="rId2"/>
+              </a:rPr>
+              <a:t> | Tableau Public</a:t>
+            </a:r>
+            <a:endParaRPr lang="en-US" dirty="0"/>
+          </a:p>
+        </p:txBody>
+      </p:sp>
+    </p:spTree>
+    <p:extLst>
+      <p:ext uri="{BB962C8B-B14F-4D97-AF65-F5344CB8AC3E}">
+        <p14:creationId xmlns:p14="http://schemas.microsoft.com/office/powerpoint/2010/main" val="4263499265"/>
       </p:ext>
     </p:extLst>
   </p:cSld>
@@ -4540,7 +4869,7 @@
           <a:p>
             <a:r>
               <a:rPr lang="en-US" dirty="0"/>
-              <a:t>Preventative Matters</a:t>
+              <a:t>Preventative Measures</a:t>
             </a:r>
           </a:p>
           <a:p>
@@ -4890,7 +5219,7 @@
           <a:p>
             <a:r>
               <a:rPr lang="en-US" dirty="0"/>
-              <a:t>Preventative Matter</a:t>
+              <a:t>Preventative Measures</a:t>
             </a:r>
           </a:p>
         </p:txBody>
@@ -4956,6 +5285,13 @@
             <a:r>
               <a:rPr lang="en-US" dirty="0"/>
               <a:t>URL doesn’t make it to the user</a:t>
+            </a:r>
+          </a:p>
+          <a:p>
+            <a:pPr lvl="1"/>
+            <a:r>
+              <a:rPr lang="en-US" dirty="0"/>
+              <a:t>URL is rejected</a:t>
             </a:r>
           </a:p>
           <a:p>
@@ -5014,7 +5350,7 @@
           <p:cNvPr id="2" name="Title 1">
             <a:extLst>
               <a:ext uri="{FF2B5EF4-FFF2-40B4-BE49-F238E27FC236}">
-                <a16:creationId xmlns:a16="http://schemas.microsoft.com/office/drawing/2014/main" id="{8B9CCB86-DAC7-6F5E-51DB-8330F29E24EA}"/>
+                <a16:creationId xmlns:a16="http://schemas.microsoft.com/office/drawing/2014/main" id="{DB265600-F4E5-CF20-F495-5BFBF9772A5D}"/>
               </a:ext>
             </a:extLst>
           </p:cNvPr>
@@ -5032,7 +5368,7 @@
           <a:p>
             <a:r>
               <a:rPr lang="en-US" dirty="0"/>
-              <a:t>Phishing URL Model</a:t>
+              <a:t>Heuristic Approach</a:t>
             </a:r>
           </a:p>
         </p:txBody>
@@ -5042,7 +5378,7 @@
           <p:cNvPr id="3" name="Content Placeholder 2">
             <a:extLst>
               <a:ext uri="{FF2B5EF4-FFF2-40B4-BE49-F238E27FC236}">
-                <a16:creationId xmlns:a16="http://schemas.microsoft.com/office/drawing/2014/main" id="{59CFA12D-A851-0DD3-CE33-809D6F9FB849}"/>
+                <a16:creationId xmlns:a16="http://schemas.microsoft.com/office/drawing/2014/main" id="{ECD7F01C-1B5E-6897-8386-243E4C9D1CFD}"/>
               </a:ext>
             </a:extLst>
           </p:cNvPr>
@@ -5055,76 +5391,44 @@
         </p:nvSpPr>
         <p:spPr/>
         <p:txBody>
-          <a:bodyPr>
-            <a:normAutofit lnSpcReduction="10000"/>
-          </a:bodyPr>
-          <a:lstStyle/>
-          <a:p>
-            <a:r>
-              <a:rPr lang="en-US" dirty="0"/>
-              <a:t>Multiple datasets used for training</a:t>
-            </a:r>
-          </a:p>
-          <a:p>
-            <a:r>
-              <a:rPr lang="en-US" dirty="0"/>
-              <a:t>Trained on 10,000 URL’s</a:t>
+          <a:bodyPr/>
+          <a:lstStyle/>
+          <a:p>
+            <a:r>
+              <a:rPr lang="en-US" dirty="0"/>
+              <a:t>Review URL text for key features</a:t>
             </a:r>
           </a:p>
           <a:p>
             <a:pPr lvl="1"/>
             <a:r>
               <a:rPr lang="en-US" dirty="0"/>
-              <a:t>5,000 Legitimate</a:t>
+              <a:t>URL text more than 75 characters</a:t>
             </a:r>
           </a:p>
           <a:p>
             <a:pPr lvl="1"/>
             <a:r>
               <a:rPr lang="en-US" dirty="0"/>
-              <a:t>5,000 Phishing</a:t>
-            </a:r>
-          </a:p>
-          <a:p>
-            <a:r>
-              <a:rPr lang="en-US" dirty="0"/>
-              <a:t>Tested on over 200k URL’s</a:t>
+              <a:t>Has an IP Address in URL</a:t>
             </a:r>
           </a:p>
           <a:p>
             <a:pPr lvl="1"/>
             <a:r>
               <a:rPr lang="en-US" dirty="0"/>
-              <a:t>132,000 Legitimate</a:t>
+              <a:t>More than 3 “.” in URL</a:t>
             </a:r>
           </a:p>
           <a:p>
             <a:pPr lvl="1"/>
             <a:r>
               <a:rPr lang="en-US" dirty="0"/>
-              <a:t>98,000 Phishing</a:t>
-            </a:r>
-          </a:p>
-          <a:p>
-            <a:r>
-              <a:rPr lang="en-US" dirty="0"/>
-              <a:t>Focused on preventing phishing URL’s, not allowing legitimate ones</a:t>
+              <a:t>URL contains an “@”</a:t>
             </a:r>
           </a:p>
           <a:p>
             <a:pPr lvl="1"/>
-            <a:r>
-              <a:rPr lang="en-US" dirty="0"/>
-              <a:t>If its suspicious reject it</a:t>
-            </a:r>
-          </a:p>
-          <a:p>
-            <a:endParaRPr lang="en-US" dirty="0"/>
-          </a:p>
-          <a:p>
-            <a:endParaRPr lang="en-US" dirty="0"/>
-          </a:p>
-          <a:p>
             <a:endParaRPr lang="en-US" dirty="0"/>
           </a:p>
         </p:txBody>
@@ -5132,7 +5436,7 @@
     </p:spTree>
     <p:extLst>
       <p:ext uri="{BB962C8B-B14F-4D97-AF65-F5344CB8AC3E}">
-        <p14:creationId xmlns:p14="http://schemas.microsoft.com/office/powerpoint/2010/main" val="35356728"/>
+        <p14:creationId xmlns:p14="http://schemas.microsoft.com/office/powerpoint/2010/main" val="510288482"/>
       </p:ext>
     </p:extLst>
   </p:cSld>
@@ -5164,7 +5468,7 @@
           <p:cNvPr id="2" name="Title 1">
             <a:extLst>
               <a:ext uri="{FF2B5EF4-FFF2-40B4-BE49-F238E27FC236}">
-                <a16:creationId xmlns:a16="http://schemas.microsoft.com/office/drawing/2014/main" id="{B95BB885-7E46-770E-84D2-7DE37CD77A16}"/>
+                <a16:creationId xmlns:a16="http://schemas.microsoft.com/office/drawing/2014/main" id="{8B9CCB86-DAC7-6F5E-51DB-8330F29E24EA}"/>
               </a:ext>
             </a:extLst>
           </p:cNvPr>
@@ -5182,7 +5486,7 @@
           <a:p>
             <a:r>
               <a:rPr lang="en-US" dirty="0"/>
-              <a:t>Performance – Heuristic Approach</a:t>
+              <a:t>Model Approach</a:t>
             </a:r>
           </a:p>
         </p:txBody>
@@ -5192,7 +5496,7 @@
           <p:cNvPr id="3" name="Content Placeholder 2">
             <a:extLst>
               <a:ext uri="{FF2B5EF4-FFF2-40B4-BE49-F238E27FC236}">
-                <a16:creationId xmlns:a16="http://schemas.microsoft.com/office/drawing/2014/main" id="{F5BEB951-C153-7C9B-254C-0F8D9BF12FC9}"/>
+                <a16:creationId xmlns:a16="http://schemas.microsoft.com/office/drawing/2014/main" id="{59CFA12D-A851-0DD3-CE33-809D6F9FB849}"/>
               </a:ext>
             </a:extLst>
           </p:cNvPr>
@@ -5203,63 +5507,89 @@
             <p:ph idx="1"/>
           </p:nvPr>
         </p:nvSpPr>
-        <p:spPr>
-          <a:xfrm>
-            <a:off x="838200" y="1825625"/>
-            <a:ext cx="10515600" cy="1958435"/>
-          </a:xfrm>
-        </p:spPr>
-        <p:txBody>
-          <a:bodyPr/>
-          <a:lstStyle/>
-          <a:p>
-            <a:r>
-              <a:rPr lang="en-US" dirty="0"/>
-              <a:t>We used a heuristic approach to benchmark performance of the model.</a:t>
-            </a:r>
-          </a:p>
-          <a:p>
-            <a:r>
-              <a:rPr lang="en-US" dirty="0"/>
-              <a:t>Heuristic approach looked for, IP Addresses, @ in URL, more than 3 “.”, suspicious endings, and URL length &gt; 75 characters</a:t>
-            </a:r>
-          </a:p>
-        </p:txBody>
-      </p:sp>
-      <p:pic>
-        <p:nvPicPr>
-          <p:cNvPr id="5" name="Picture 4">
-            <a:extLst>
-              <a:ext uri="{FF2B5EF4-FFF2-40B4-BE49-F238E27FC236}">
-                <a16:creationId xmlns:a16="http://schemas.microsoft.com/office/drawing/2014/main" id="{3833E96E-695F-22E2-65E1-C22B434E7C95}"/>
-              </a:ext>
-            </a:extLst>
-          </p:cNvPr>
-          <p:cNvPicPr>
-            <a:picLocks noChangeAspect="1"/>
-          </p:cNvPicPr>
-          <p:nvPr/>
-        </p:nvPicPr>
-        <p:blipFill>
-          <a:blip r:embed="rId2"/>
-          <a:stretch>
-            <a:fillRect/>
-          </a:stretch>
-        </p:blipFill>
-        <p:spPr>
-          <a:xfrm>
-            <a:off x="3409236" y="3429000"/>
-            <a:ext cx="4420217" cy="3315163"/>
-          </a:xfrm>
-          <a:prstGeom prst="rect">
-            <a:avLst/>
-          </a:prstGeom>
-        </p:spPr>
-      </p:pic>
+        <p:spPr/>
+        <p:txBody>
+          <a:bodyPr>
+            <a:normAutofit fontScale="92500"/>
+          </a:bodyPr>
+          <a:lstStyle/>
+          <a:p>
+            <a:r>
+              <a:rPr lang="en-US" dirty="0"/>
+              <a:t>Multiple datasets used for training</a:t>
+            </a:r>
+          </a:p>
+          <a:p>
+            <a:r>
+              <a:rPr lang="en-US" dirty="0"/>
+              <a:t>Trained on 10,000 URL’s</a:t>
+            </a:r>
+          </a:p>
+          <a:p>
+            <a:pPr lvl="1"/>
+            <a:r>
+              <a:rPr lang="en-US" dirty="0"/>
+              <a:t>5,000 Legitimate</a:t>
+            </a:r>
+          </a:p>
+          <a:p>
+            <a:pPr lvl="1"/>
+            <a:r>
+              <a:rPr lang="en-US" dirty="0"/>
+              <a:t>5,000 Phishing</a:t>
+            </a:r>
+          </a:p>
+          <a:p>
+            <a:r>
+              <a:rPr lang="en-US" dirty="0"/>
+              <a:t>Tested on over 200k URL’s</a:t>
+            </a:r>
+          </a:p>
+          <a:p>
+            <a:pPr lvl="1"/>
+            <a:r>
+              <a:rPr lang="en-US" dirty="0"/>
+              <a:t>132,000 Legitimate</a:t>
+            </a:r>
+          </a:p>
+          <a:p>
+            <a:pPr lvl="1"/>
+            <a:r>
+              <a:rPr lang="en-US" dirty="0"/>
+              <a:t>98,000 Phishing</a:t>
+            </a:r>
+          </a:p>
+          <a:p>
+            <a:r>
+              <a:rPr lang="en-US" dirty="0"/>
+              <a:t>Focused on preventing phishing URL’s, not allowing legitimate ones</a:t>
+            </a:r>
+          </a:p>
+          <a:p>
+            <a:pPr lvl="1"/>
+            <a:r>
+              <a:rPr lang="en-US" dirty="0"/>
+              <a:t>If its suspicious reject it</a:t>
+            </a:r>
+          </a:p>
+          <a:p>
+            <a:r>
+              <a:rPr lang="en-US" dirty="0"/>
+              <a:t>Continuous improvement</a:t>
+            </a:r>
+          </a:p>
+          <a:p>
+            <a:endParaRPr lang="en-US" dirty="0"/>
+          </a:p>
+          <a:p>
+            <a:endParaRPr lang="en-US" dirty="0"/>
+          </a:p>
+        </p:txBody>
+      </p:sp>
     </p:spTree>
     <p:extLst>
       <p:ext uri="{BB962C8B-B14F-4D97-AF65-F5344CB8AC3E}">
-        <p14:creationId xmlns:p14="http://schemas.microsoft.com/office/powerpoint/2010/main" val="14688540"/>
+        <p14:creationId xmlns:p14="http://schemas.microsoft.com/office/powerpoint/2010/main" val="35356728"/>
       </p:ext>
     </p:extLst>
   </p:cSld>
@@ -5291,7 +5621,7 @@
           <p:cNvPr id="2" name="Title 1">
             <a:extLst>
               <a:ext uri="{FF2B5EF4-FFF2-40B4-BE49-F238E27FC236}">
-                <a16:creationId xmlns:a16="http://schemas.microsoft.com/office/drawing/2014/main" id="{7A325E81-572C-A9B9-9FF8-4AD81611FD9D}"/>
+                <a16:creationId xmlns:a16="http://schemas.microsoft.com/office/drawing/2014/main" id="{B95BB885-7E46-770E-84D2-7DE37CD77A16}"/>
               </a:ext>
             </a:extLst>
           </p:cNvPr>
@@ -5309,7 +5639,40 @@
           <a:p>
             <a:r>
               <a:rPr lang="en-US" dirty="0"/>
-              <a:t>Performance – Model Accuracy</a:t>
+              <a:t>Performance – Heuristic Approach</a:t>
+            </a:r>
+          </a:p>
+        </p:txBody>
+      </p:sp>
+      <p:sp>
+        <p:nvSpPr>
+          <p:cNvPr id="3" name="Content Placeholder 2">
+            <a:extLst>
+              <a:ext uri="{FF2B5EF4-FFF2-40B4-BE49-F238E27FC236}">
+                <a16:creationId xmlns:a16="http://schemas.microsoft.com/office/drawing/2014/main" id="{F5BEB951-C153-7C9B-254C-0F8D9BF12FC9}"/>
+              </a:ext>
+            </a:extLst>
+          </p:cNvPr>
+          <p:cNvSpPr>
+            <a:spLocks noGrp="1"/>
+          </p:cNvSpPr>
+          <p:nvPr>
+            <p:ph idx="1"/>
+          </p:nvPr>
+        </p:nvSpPr>
+        <p:spPr>
+          <a:xfrm>
+            <a:off x="838200" y="1825625"/>
+            <a:ext cx="10424746" cy="1075837"/>
+          </a:xfrm>
+        </p:spPr>
+        <p:txBody>
+          <a:bodyPr/>
+          <a:lstStyle/>
+          <a:p>
+            <a:r>
+              <a:rPr lang="en-US" dirty="0"/>
+              <a:t>We used a heuristic approach to benchmark performance of the model.</a:t>
             </a:r>
           </a:p>
         </p:txBody>
@@ -5319,7 +5682,7 @@
           <p:cNvPr id="5" name="Picture 4">
             <a:extLst>
               <a:ext uri="{FF2B5EF4-FFF2-40B4-BE49-F238E27FC236}">
-                <a16:creationId xmlns:a16="http://schemas.microsoft.com/office/drawing/2014/main" id="{D6D3DE8B-F4FF-41AA-5CB0-B5F6CDC22145}"/>
+                <a16:creationId xmlns:a16="http://schemas.microsoft.com/office/drawing/2014/main" id="{3833E96E-695F-22E2-65E1-C22B434E7C95}"/>
               </a:ext>
             </a:extLst>
           </p:cNvPr>
@@ -5336,38 +5699,8 @@
         </p:blipFill>
         <p:spPr>
           <a:xfrm>
-            <a:off x="982603" y="2168166"/>
-            <a:ext cx="4353533" cy="3400900"/>
-          </a:xfrm>
-          <a:prstGeom prst="rect">
-            <a:avLst/>
-          </a:prstGeom>
-        </p:spPr>
-      </p:pic>
-      <p:pic>
-        <p:nvPicPr>
-          <p:cNvPr id="7" name="Picture 6">
-            <a:extLst>
-              <a:ext uri="{FF2B5EF4-FFF2-40B4-BE49-F238E27FC236}">
-                <a16:creationId xmlns:a16="http://schemas.microsoft.com/office/drawing/2014/main" id="{660C9EB2-E9A5-BF52-1703-DD2E4E2B01D7}"/>
-              </a:ext>
-            </a:extLst>
-          </p:cNvPr>
-          <p:cNvPicPr>
-            <a:picLocks noChangeAspect="1"/>
-          </p:cNvPicPr>
-          <p:nvPr/>
-        </p:nvPicPr>
-        <p:blipFill>
-          <a:blip r:embed="rId3"/>
-          <a:stretch>
-            <a:fillRect/>
-          </a:stretch>
-        </p:blipFill>
-        <p:spPr>
-          <a:xfrm>
-            <a:off x="6762872" y="1482683"/>
-            <a:ext cx="3140975" cy="4771866"/>
+            <a:off x="3485465" y="2901462"/>
+            <a:ext cx="5130215" cy="3847662"/>
           </a:xfrm>
           <a:prstGeom prst="rect">
             <a:avLst/>
@@ -5377,7 +5710,7 @@
     </p:spTree>
     <p:extLst>
       <p:ext uri="{BB962C8B-B14F-4D97-AF65-F5344CB8AC3E}">
-        <p14:creationId xmlns:p14="http://schemas.microsoft.com/office/powerpoint/2010/main" val="3496378118"/>
+        <p14:creationId xmlns:p14="http://schemas.microsoft.com/office/powerpoint/2010/main" val="14688540"/>
       </p:ext>
     </p:extLst>
   </p:cSld>
@@ -5409,7 +5742,7 @@
           <p:cNvPr id="2" name="Title 1">
             <a:extLst>
               <a:ext uri="{FF2B5EF4-FFF2-40B4-BE49-F238E27FC236}">
-                <a16:creationId xmlns:a16="http://schemas.microsoft.com/office/drawing/2014/main" id="{86829788-E047-BF70-5879-6E2DE4F08686}"/>
+                <a16:creationId xmlns:a16="http://schemas.microsoft.com/office/drawing/2014/main" id="{7A325E81-572C-A9B9-9FF8-4AD81611FD9D}"/>
               </a:ext>
             </a:extLst>
           </p:cNvPr>
@@ -5427,7 +5760,7 @@
           <a:p>
             <a:r>
               <a:rPr lang="en-US" dirty="0"/>
-              <a:t>Comparison – Incorrectly Labeled</a:t>
+              <a:t>Performance – Model Approach</a:t>
             </a:r>
           </a:p>
         </p:txBody>
@@ -5437,7 +5770,7 @@
           <p:cNvPr id="5" name="Picture 4">
             <a:extLst>
               <a:ext uri="{FF2B5EF4-FFF2-40B4-BE49-F238E27FC236}">
-                <a16:creationId xmlns:a16="http://schemas.microsoft.com/office/drawing/2014/main" id="{66729971-A7CE-1429-1FB6-16A74938F71A}"/>
+                <a16:creationId xmlns:a16="http://schemas.microsoft.com/office/drawing/2014/main" id="{D6D3DE8B-F4FF-41AA-5CB0-B5F6CDC22145}"/>
               </a:ext>
             </a:extLst>
           </p:cNvPr>
@@ -5454,8 +5787,8 @@
         </p:blipFill>
         <p:spPr>
           <a:xfrm>
-            <a:off x="1546502" y="1410511"/>
-            <a:ext cx="3399259" cy="5262664"/>
+            <a:off x="982603" y="2168166"/>
+            <a:ext cx="4353533" cy="3400900"/>
           </a:xfrm>
           <a:prstGeom prst="rect">
             <a:avLst/>
@@ -5467,7 +5800,7 @@
           <p:cNvPr id="7" name="Picture 6">
             <a:extLst>
               <a:ext uri="{FF2B5EF4-FFF2-40B4-BE49-F238E27FC236}">
-                <a16:creationId xmlns:a16="http://schemas.microsoft.com/office/drawing/2014/main" id="{86ABFC89-FBC5-50A0-6924-711D9B1AF867}"/>
+                <a16:creationId xmlns:a16="http://schemas.microsoft.com/office/drawing/2014/main" id="{660C9EB2-E9A5-BF52-1703-DD2E4E2B01D7}"/>
               </a:ext>
             </a:extLst>
           </p:cNvPr>
@@ -5484,8 +5817,8 @@
         </p:blipFill>
         <p:spPr>
           <a:xfrm>
-            <a:off x="6096000" y="1458187"/>
-            <a:ext cx="3278571" cy="5167312"/>
+            <a:off x="6762872" y="1482683"/>
+            <a:ext cx="3140975" cy="4771866"/>
           </a:xfrm>
           <a:prstGeom prst="rect">
             <a:avLst/>
@@ -5495,7 +5828,7 @@
     </p:spTree>
     <p:extLst>
       <p:ext uri="{BB962C8B-B14F-4D97-AF65-F5344CB8AC3E}">
-        <p14:creationId xmlns:p14="http://schemas.microsoft.com/office/powerpoint/2010/main" val="1602091837"/>
+        <p14:creationId xmlns:p14="http://schemas.microsoft.com/office/powerpoint/2010/main" val="3496378118"/>
       </p:ext>
     </p:extLst>
   </p:cSld>
